--- a/IntentionLearning/memo/Understanding Intentions(for seminar)_silde.pptx
+++ b/IntentionLearning/memo/Understanding Intentions(for seminar)_silde.pptx
@@ -1174,11 +1174,11 @@
           <c:showBubbleSize val="0"/>
         </c:dLbls>
         <c:smooth val="0"/>
-        <c:axId val="262755056"/>
-        <c:axId val="262750352"/>
+        <c:axId val="372579504"/>
+        <c:axId val="372576760"/>
       </c:lineChart>
       <c:catAx>
-        <c:axId val="262755056"/>
+        <c:axId val="372579504"/>
         <c:scaling>
           <c:orientation val="minMax"/>
         </c:scaling>
@@ -1215,7 +1215,7 @@
         <c:majorTickMark val="out"/>
         <c:minorTickMark val="none"/>
         <c:tickLblPos val="nextTo"/>
-        <c:crossAx val="262750352"/>
+        <c:crossAx val="372576760"/>
         <c:crosses val="autoZero"/>
         <c:auto val="1"/>
         <c:lblAlgn val="ctr"/>
@@ -1223,7 +1223,7 @@
         <c:noMultiLvlLbl val="0"/>
       </c:catAx>
       <c:valAx>
-        <c:axId val="262750352"/>
+        <c:axId val="372576760"/>
         <c:scaling>
           <c:orientation val="minMax"/>
         </c:scaling>
@@ -1261,7 +1261,7 @@
         <c:majorTickMark val="out"/>
         <c:minorTickMark val="none"/>
         <c:tickLblPos val="nextTo"/>
-        <c:crossAx val="262755056"/>
+        <c:crossAx val="372579504"/>
         <c:crosses val="autoZero"/>
         <c:crossBetween val="between"/>
       </c:valAx>
@@ -1362,7 +1362,7 @@
           <a:p>
             <a:fld id="{E461E99E-D743-4ADB-B482-291521FC38A9}" type="datetimeFigureOut">
               <a:rPr kumimoji="1" lang="ja-JP" altLang="en-US" smtClean="0"/>
-              <a:t>2016/1/22</a:t>
+              <a:t>2016/1/29</a:t>
             </a:fld>
             <a:endParaRPr kumimoji="1" lang="ja-JP" altLang="en-US"/>
           </a:p>
@@ -1528,7 +1528,7 @@
             <a:fld id="{3842907C-D0AA-4C58-9F94-58B40AD65B29}" type="datetimeFigureOut">
               <a:rPr lang="ja-JP" altLang="en-US"/>
               <a:pPr/>
-              <a:t>2016/1/22</a:t>
+              <a:t>2016/1/29</a:t>
             </a:fld>
             <a:endParaRPr kumimoji="1" lang="ja-JP"/>
           </a:p>
@@ -2515,7 +2515,7 @@
           <a:p>
             <a:fld id="{FA385B95-3ADD-451C-8822-2942A83D514F}" type="datetime2">
               <a:rPr lang="ja-JP" altLang="en-US" smtClean="0"/>
-              <a:t>2016年1月22日(金)</a:t>
+              <a:t>2016年1月29日(金)</a:t>
             </a:fld>
             <a:endParaRPr kumimoji="1" lang="ja-JP">
               <a:solidFill>
@@ -2754,7 +2754,7 @@
           <a:p>
             <a:fld id="{FD5A171F-8EC9-4201-95E8-CD5FDA193920}" type="datetime2">
               <a:rPr lang="ja-JP" altLang="en-US" smtClean="0"/>
-              <a:t>2016年1月22日(金)</a:t>
+              <a:t>2016年1月29日(金)</a:t>
             </a:fld>
             <a:endParaRPr kumimoji="1" lang="ja-JP"/>
           </a:p>
@@ -2978,7 +2978,7 @@
           <a:p>
             <a:fld id="{87A55812-3997-4141-BFFF-0EA067AECECA}" type="datetime2">
               <a:rPr lang="ja-JP" altLang="en-US" smtClean="0"/>
-              <a:t>2016年1月22日(金)</a:t>
+              <a:t>2016年1月29日(金)</a:t>
             </a:fld>
             <a:endParaRPr kumimoji="1" lang="ja-JP"/>
           </a:p>
@@ -3167,7 +3167,7 @@
           <a:p>
             <a:fld id="{00FEC0D3-B75A-47CD-9800-FCECB0C7DDB5}" type="datetime2">
               <a:rPr lang="ja-JP" altLang="en-US" smtClean="0"/>
-              <a:t>2016年1月22日(金)</a:t>
+              <a:t>2016年1月29日(金)</a:t>
             </a:fld>
             <a:endParaRPr kumimoji="1" lang="ja-JP"/>
           </a:p>
@@ -3431,7 +3431,7 @@
           <a:p>
             <a:fld id="{849D1F51-D6F3-49AC-B951-395B9031C99B}" type="datetime2">
               <a:rPr lang="ja-JP" altLang="en-US" smtClean="0"/>
-              <a:t>2016年1月22日(金)</a:t>
+              <a:t>2016年1月29日(金)</a:t>
             </a:fld>
             <a:endParaRPr kumimoji="1" lang="ja-JP"/>
           </a:p>
@@ -3905,7 +3905,7 @@
           <a:p>
             <a:fld id="{AE31A397-BF25-43A9-8D23-BEF7373024B3}" type="datetime2">
               <a:rPr lang="ja-JP" altLang="en-US" smtClean="0"/>
-              <a:t>2016年1月22日(金)</a:t>
+              <a:t>2016年1月29日(金)</a:t>
             </a:fld>
             <a:endParaRPr kumimoji="1" lang="ja-JP"/>
           </a:p>
@@ -4416,7 +4416,7 @@
           <a:p>
             <a:fld id="{7E0C10CA-CE69-4A33-B27A-E6888414B115}" type="datetime2">
               <a:rPr lang="ja-JP" altLang="en-US" smtClean="0"/>
-              <a:t>2016年1月22日(金)</a:t>
+              <a:t>2016年1月29日(金)</a:t>
             </a:fld>
             <a:endParaRPr kumimoji="1" lang="ja-JP"/>
           </a:p>
@@ -4518,7 +4518,7 @@
           <a:p>
             <a:fld id="{AC610D96-EAE2-4664-8036-BADC8ED0F5E1}" type="datetime2">
               <a:rPr lang="ja-JP" altLang="en-US" smtClean="0"/>
-              <a:t>2016年1月22日(金)</a:t>
+              <a:t>2016年1月29日(金)</a:t>
             </a:fld>
             <a:endParaRPr kumimoji="1" lang="ja-JP"/>
           </a:p>
@@ -4640,7 +4640,7 @@
           <a:p>
             <a:fld id="{4054E5E6-564F-4B21-8351-714B50AD48B8}" type="datetime2">
               <a:rPr lang="ja-JP" altLang="en-US" smtClean="0"/>
-              <a:t>2016年1月22日(金)</a:t>
+              <a:t>2016年1月29日(金)</a:t>
             </a:fld>
             <a:endParaRPr kumimoji="1" lang="ja-JP"/>
           </a:p>
@@ -4947,7 +4947,7 @@
           <a:p>
             <a:fld id="{29403A30-3952-46BD-B92A-0F746F512116}" type="datetime2">
               <a:rPr lang="ja-JP" altLang="en-US" smtClean="0"/>
-              <a:t>2016年1月22日(金)</a:t>
+              <a:t>2016年1月29日(金)</a:t>
             </a:fld>
             <a:endParaRPr kumimoji="1" lang="ja-JP"/>
           </a:p>
@@ -5153,7 +5153,7 @@
           <a:p>
             <a:fld id="{FD6FF9C6-D274-480F-8FA7-5985CCE128C7}" type="datetime2">
               <a:rPr lang="ja-JP" altLang="en-US" smtClean="0"/>
-              <a:t>2016年1月22日(金)</a:t>
+              <a:t>2016年1月29日(金)</a:t>
             </a:fld>
             <a:endParaRPr kumimoji="1" lang="ja-JP">
               <a:solidFill>
@@ -6301,7 +6301,7 @@
           <a:p>
             <a:fld id="{6E513859-B1D0-4749-9F92-AF2AEFC722C3}" type="datetime2">
               <a:rPr lang="ja-JP" altLang="en-US" smtClean="0"/>
-              <a:t>2016年1月22日(金)</a:t>
+              <a:t>2016年1月29日(金)</a:t>
             </a:fld>
             <a:endParaRPr kumimoji="1" lang="ja-JP" sz="1000">
               <a:solidFill>
@@ -10559,11 +10559,7 @@
           <a:p>
             <a:r>
               <a:rPr kumimoji="1" lang="en-US" altLang="ja-JP" dirty="0" smtClean="0"/>
-              <a:t>For </a:t>
-            </a:r>
-            <a:r>
-              <a:rPr kumimoji="1" lang="en-US" altLang="ja-JP" dirty="0" smtClean="0"/>
-              <a:t>the</a:t>
+              <a:t>For the</a:t>
             </a:r>
             <a:r>
               <a:rPr kumimoji="1" lang="ja-JP" altLang="en-US" dirty="0"/>
@@ -10571,11 +10567,7 @@
             </a:r>
             <a:r>
               <a:rPr kumimoji="1" lang="en-US" altLang="ja-JP" smtClean="0"/>
-              <a:t>center</a:t>
-            </a:r>
-            <a:r>
-              <a:rPr kumimoji="1" lang="en-US" altLang="ja-JP" smtClean="0"/>
-              <a:t> of gravity of the two</a:t>
+              <a:t>center of gravity of the two</a:t>
             </a:r>
             <a:endParaRPr kumimoji="1" lang="ja-JP" altLang="en-US" dirty="0"/>
           </a:p>
@@ -15686,7 +15678,7 @@
         </p:blipFill>
         <p:spPr>
           <a:xfrm>
-            <a:off x="5004048" y="2060848"/>
+            <a:off x="4436555" y="2060848"/>
             <a:ext cx="3112054" cy="3068960"/>
           </a:xfrm>
           <a:prstGeom prst="rect">
@@ -15703,7 +15695,7 @@
         <p:spPr>
           <a:xfrm>
             <a:off x="971600" y="5221438"/>
-            <a:ext cx="3430747" cy="707886"/>
+            <a:ext cx="3049233" cy="707886"/>
           </a:xfrm>
           <a:prstGeom prst="rect">
             <a:avLst/>
@@ -15717,14 +15709,83 @@
           <a:lstStyle/>
           <a:p>
             <a:r>
+              <a:rPr kumimoji="1" lang="ja-JP" altLang="en-US" sz="2000" dirty="0" smtClean="0"/>
+              <a:t>正答</a:t>
+            </a:r>
+            <a:r>
+              <a:rPr kumimoji="1" lang="en-US" altLang="ja-JP" sz="2000" dirty="0"/>
+              <a:t> </a:t>
+            </a:r>
+            <a:r>
               <a:rPr kumimoji="1" lang="en-US" altLang="ja-JP" sz="2000" dirty="0" smtClean="0"/>
-              <a:t>True	: away from the green</a:t>
-            </a:r>
-          </a:p>
-          <a:p>
-            <a:r>
-              <a:rPr kumimoji="1" lang="en-US" altLang="ja-JP" sz="2000" dirty="0" smtClean="0"/>
-              <a:t>Answer 	: near of the orange</a:t>
+              <a:t>:</a:t>
+            </a:r>
+            <a:r>
+              <a:rPr kumimoji="1" lang="ja-JP" altLang="en-US" sz="2000" dirty="0" smtClean="0"/>
+              <a:t> </a:t>
+            </a:r>
+            <a:r>
+              <a:rPr kumimoji="1" lang="ja-JP" altLang="en-US" sz="2000" dirty="0"/>
+              <a:t>赤</a:t>
+            </a:r>
+            <a:r>
+              <a:rPr kumimoji="1" lang="ja-JP" altLang="en-US" sz="2000" dirty="0" smtClean="0"/>
+              <a:t>を</a:t>
+            </a:r>
+            <a:r>
+              <a:rPr kumimoji="1" lang="ja-JP" altLang="en-US" sz="2000" dirty="0"/>
+              <a:t>橙</a:t>
+            </a:r>
+            <a:r>
+              <a:rPr kumimoji="1" lang="ja-JP" altLang="en-US" sz="2000" dirty="0" smtClean="0"/>
+              <a:t>に</a:t>
+            </a:r>
+            <a:r>
+              <a:rPr kumimoji="1" lang="ja-JP" altLang="en-US" sz="2000" dirty="0"/>
+              <a:t>近</a:t>
+            </a:r>
+            <a:r>
+              <a:rPr kumimoji="1" lang="ja-JP" altLang="en-US" sz="2000" dirty="0" smtClean="0"/>
+              <a:t>づける</a:t>
+            </a:r>
+            <a:endParaRPr kumimoji="1" lang="en-US" altLang="ja-JP" sz="2000" dirty="0" smtClean="0"/>
+          </a:p>
+          <a:p>
+            <a:r>
+              <a:rPr kumimoji="1" lang="ja-JP" altLang="en-US" sz="2000" dirty="0" smtClean="0"/>
+              <a:t>回答</a:t>
+            </a:r>
+            <a:r>
+              <a:rPr kumimoji="1" lang="en-US" altLang="ja-JP" sz="2000"/>
+              <a:t> </a:t>
+            </a:r>
+            <a:r>
+              <a:rPr kumimoji="1" lang="en-US" altLang="ja-JP" sz="2000" smtClean="0"/>
+              <a:t>: </a:t>
+            </a:r>
+            <a:r>
+              <a:rPr kumimoji="1" lang="ja-JP" altLang="en-US" sz="2000" dirty="0"/>
+              <a:t>赤</a:t>
+            </a:r>
+            <a:r>
+              <a:rPr kumimoji="1" lang="ja-JP" altLang="en-US" sz="2000" dirty="0" smtClean="0"/>
+              <a:t>を</a:t>
+            </a:r>
+            <a:r>
+              <a:rPr kumimoji="1" lang="ja-JP" altLang="en-US" sz="2000" dirty="0"/>
+              <a:t>緑</a:t>
+            </a:r>
+            <a:r>
+              <a:rPr kumimoji="1" lang="ja-JP" altLang="en-US" sz="2000" dirty="0" smtClean="0"/>
+              <a:t>から</a:t>
+            </a:r>
+            <a:r>
+              <a:rPr kumimoji="1" lang="ja-JP" altLang="en-US" sz="2000" dirty="0"/>
+              <a:t>遠</a:t>
+            </a:r>
+            <a:r>
+              <a:rPr kumimoji="1" lang="ja-JP" altLang="en-US" sz="2000" dirty="0" smtClean="0"/>
+              <a:t>ざける</a:t>
             </a:r>
             <a:endParaRPr kumimoji="1" lang="ja-JP" altLang="en-US" sz="2000" dirty="0"/>
           </a:p>
@@ -15738,8 +15799,8 @@
         </p:nvSpPr>
         <p:spPr>
           <a:xfrm>
-            <a:off x="4920147" y="5221438"/>
-            <a:ext cx="3044423" cy="707886"/>
+            <a:off x="4352654" y="5221438"/>
+            <a:ext cx="4150495" cy="707886"/>
           </a:xfrm>
           <a:prstGeom prst="rect">
             <a:avLst/>
@@ -15753,14 +15814,43 @@
           <a:lstStyle/>
           <a:p>
             <a:r>
+              <a:rPr kumimoji="1" lang="ja-JP" altLang="en-US" sz="2000" dirty="0" smtClean="0"/>
+              <a:t>正答</a:t>
+            </a:r>
+            <a:r>
+              <a:rPr kumimoji="1" lang="ja-JP" altLang="en-US" sz="2000" dirty="0" smtClean="0"/>
+              <a:t> </a:t>
+            </a:r>
+            <a:r>
               <a:rPr kumimoji="1" lang="en-US" altLang="ja-JP" sz="2000" dirty="0" smtClean="0"/>
-              <a:t>True	: right of the blue</a:t>
-            </a:r>
-          </a:p>
-          <a:p>
+              <a:t>: </a:t>
+            </a:r>
+            <a:r>
+              <a:rPr kumimoji="1" lang="ja-JP" altLang="en-US" sz="2000" dirty="0" smtClean="0"/>
+              <a:t>赤を青の右に動かす</a:t>
+            </a:r>
+            <a:endParaRPr kumimoji="1" lang="en-US" altLang="ja-JP" sz="2000" dirty="0" smtClean="0"/>
+          </a:p>
+          <a:p>
+            <a:r>
+              <a:rPr kumimoji="1" lang="ja-JP" altLang="en-US" sz="2000" dirty="0" smtClean="0"/>
+              <a:t>回答</a:t>
+            </a:r>
+            <a:r>
+              <a:rPr kumimoji="1" lang="ja-JP" altLang="en-US" sz="2000" dirty="0" smtClean="0"/>
+              <a:t> </a:t>
+            </a:r>
             <a:r>
               <a:rPr kumimoji="1" lang="en-US" altLang="ja-JP" sz="2000" dirty="0" smtClean="0"/>
-              <a:t>Answer	: line up clockwise</a:t>
+              <a:t>: </a:t>
+            </a:r>
+            <a:r>
+              <a:rPr kumimoji="1" lang="ja-JP" altLang="en-US" sz="2000" dirty="0"/>
+              <a:t>時計回</a:t>
+            </a:r>
+            <a:r>
+              <a:rPr kumimoji="1" lang="ja-JP" altLang="en-US" sz="2000" dirty="0" smtClean="0"/>
+              <a:t>りに赤、緑、青と並べる</a:t>
             </a:r>
             <a:endParaRPr kumimoji="1" lang="ja-JP" altLang="en-US" sz="2000" dirty="0"/>
           </a:p>
@@ -15833,7 +15923,7 @@
         </p:nvCxnSpPr>
         <p:spPr>
           <a:xfrm>
-            <a:off x="6948264" y="3356992"/>
+            <a:off x="6380771" y="3356992"/>
             <a:ext cx="144016" cy="144016"/>
           </a:xfrm>
           <a:prstGeom prst="straightConnector1">
